--- a/diplomamunka.pptx
+++ b/diplomamunka.pptx
@@ -536,15 +536,15 @@
             </a:r>
             <a:r>
               <a:rPr lang="hu-HU" baseline="0" dirty="0" smtClean="0"/>
-              <a:t> diplomamunkám témája az </a:t>
-            </a:r>
-            <a:r>
-              <a:rPr lang="hu-HU" baseline="0" dirty="0" err="1" smtClean="0"/>
-              <a:t>Erlang</a:t>
+              <a:t> diplomamunkám témája </a:t>
             </a:r>
             <a:r>
               <a:rPr lang="hu-HU" baseline="0" dirty="0" smtClean="0"/>
-              <a:t> nyelven írt nem biztonságos kód biztonságossá transzformálása a </a:t>
+              <a:t>a nem </a:t>
+            </a:r>
+            <a:r>
+              <a:rPr lang="hu-HU" baseline="0" dirty="0" smtClean="0"/>
+              <a:t>biztonságos kód biztonságossá transzformálása a </a:t>
             </a:r>
             <a:r>
               <a:rPr lang="hu-HU" baseline="0" dirty="0" err="1" smtClean="0"/>
@@ -2338,19 +2338,11 @@
             </a:r>
             <a:r>
               <a:rPr lang="hu-HU" dirty="0" smtClean="0"/>
-              <a:t>. </a:t>
-            </a:r>
-            <a:r>
-              <a:rPr lang="hu-HU" dirty="0" smtClean="0"/>
-              <a:t>Mára</a:t>
+              <a:t>. Mára</a:t>
             </a:r>
             <a:r>
               <a:rPr lang="hu-HU" baseline="0" dirty="0" smtClean="0"/>
-              <a:t> már több funkcióval rendelkezik az eszköz, például elérhetők </a:t>
-            </a:r>
-            <a:r>
-              <a:rPr lang="hu-HU" baseline="0" dirty="0" smtClean="0"/>
-              <a:t>benne </a:t>
+              <a:t> már több funkcióval rendelkezik az eszköz, például elérhetők benne </a:t>
             </a:r>
             <a:r>
               <a:rPr lang="hu-HU" dirty="0" smtClean="0"/>
@@ -2401,11 +2393,7 @@
             </a:r>
             <a:r>
               <a:rPr lang="hu-HU" dirty="0" smtClean="0"/>
-              <a:t> nyelven írt forráskódot egy szemantikus programgráfban </a:t>
-            </a:r>
-            <a:r>
-              <a:rPr lang="hu-HU" dirty="0" smtClean="0"/>
-              <a:t>reprezentálja, amelyet az elemzés során bejár.</a:t>
+              <a:t> nyelven írt forráskódot egy szemantikus programgráfban reprezentálja, amelyet az elemzés során bejár.</a:t>
             </a:r>
             <a:r>
               <a:rPr lang="hu-HU" baseline="0" dirty="0" smtClean="0"/>
@@ -2452,11 +2440,7 @@
             </a:pPr>
             <a:r>
               <a:rPr lang="hu-HU" dirty="0" smtClean="0"/>
-              <a:t>Ez </a:t>
-            </a:r>
-            <a:r>
-              <a:rPr lang="hu-HU" dirty="0" smtClean="0"/>
-              <a:t>3</a:t>
+              <a:t>Ez 3</a:t>
             </a:r>
             <a:r>
               <a:rPr lang="hu-HU" baseline="0" dirty="0" smtClean="0"/>
@@ -2491,11 +2475,7 @@
           <a:p>
             <a:r>
               <a:rPr lang="hu-HU" baseline="0" dirty="0" smtClean="0"/>
-              <a:t> - szemantikus: információkkal és kapcsolatokkal bővíti ki a </a:t>
-            </a:r>
-            <a:r>
-              <a:rPr lang="hu-HU" baseline="0" dirty="0" smtClean="0"/>
-              <a:t>fát</a:t>
+              <a:t> - szemantikus: információkkal és kapcsolatokkal bővíti ki a fát</a:t>
             </a:r>
             <a:endParaRPr lang="hu-HU" dirty="0" smtClean="0"/>
           </a:p>
@@ -2927,19 +2907,7 @@
                 <a:latin typeface="Arial" panose="020B0604020202020204" pitchFamily="34" charset="0"/>
                 <a:cs typeface="Arial" panose="020B0604020202020204" pitchFamily="34" charset="0"/>
               </a:rPr>
-              <a:t> viszont így fennáll annak a veszélye, hogy új hibák kerülnek bevezetésére. Ezen kívül nem lesz egységes a kód szerkezete, valamint a kézi javítás sokkal idő és </a:t>
-            </a:r>
-            <a:r>
-              <a:rPr lang="hu-HU" sz="1200" baseline="0" dirty="0" smtClean="0">
-                <a:solidFill>
-                  <a:schemeClr val="tx1">
-                    <a:lumMod val="95000"/>
-                  </a:schemeClr>
-                </a:solidFill>
-                <a:latin typeface="Arial" panose="020B0604020202020204" pitchFamily="34" charset="0"/>
-                <a:cs typeface="Arial" panose="020B0604020202020204" pitchFamily="34" charset="0"/>
-              </a:rPr>
-              <a:t>költségigényesebb.</a:t>
+              <a:t> viszont így fennáll annak a veszélye, hogy új hibák kerülnek bevezetésére. Ezen kívül nem lesz egységes a kód szerkezete, valamint a kézi javítás sokkal idő és költségigényesebb.</a:t>
             </a:r>
           </a:p>
           <a:p>
@@ -3265,15 +3233,7 @@
             </a:r>
             <a:r>
               <a:rPr lang="hu-HU" baseline="0" dirty="0" smtClean="0"/>
-              <a:t> paraméterek tartalmának ellenőrzése -&gt; így </a:t>
-            </a:r>
-            <a:r>
-              <a:rPr lang="hu-HU" baseline="0" dirty="0" smtClean="0"/>
-              <a:t>elkerülhető </a:t>
-            </a:r>
-            <a:r>
-              <a:rPr lang="hu-HU" baseline="0" dirty="0" smtClean="0"/>
-              <a:t>az OS </a:t>
+              <a:t> paraméterek tartalmának ellenőrzése -&gt; így elkerülhető az OS </a:t>
             </a:r>
             <a:r>
               <a:rPr lang="hu-HU" baseline="0" dirty="0" err="1" smtClean="0"/>
@@ -3312,11 +3272,7 @@
             </a:r>
             <a:r>
               <a:rPr lang="hu-HU" baseline="0" dirty="0" smtClean="0"/>
-              <a:t> </a:t>
-            </a:r>
-            <a:r>
-              <a:rPr lang="hu-HU" baseline="0" dirty="0" smtClean="0"/>
-              <a:t>-&gt; ezzel elkerülhető az </a:t>
+              <a:t> -&gt; ezzel elkerülhető az </a:t>
             </a:r>
             <a:r>
               <a:rPr lang="hu-HU" baseline="0" dirty="0" err="1" smtClean="0"/>
@@ -3345,11 +3301,7 @@
             </a:r>
             <a:r>
               <a:rPr lang="hu-HU" baseline="0" dirty="0" smtClean="0"/>
-              <a:t> külön </a:t>
-            </a:r>
-            <a:r>
-              <a:rPr lang="hu-HU" baseline="0" dirty="0" smtClean="0"/>
-              <a:t>alkalmazott </a:t>
+              <a:t> külön alkalmazott </a:t>
             </a:r>
             <a:r>
               <a:rPr lang="hu-HU" baseline="0" dirty="0" err="1" smtClean="0"/>
@@ -3503,15 +3455,7 @@
           <a:p>
             <a:r>
               <a:rPr lang="hu-HU" baseline="0" dirty="0" smtClean="0"/>
-              <a:t>Röviden összefoglalva úgy működik, hogy megkeresem a megbízhatatlan listát, ami meghatározza a létrehozandó </a:t>
-            </a:r>
-            <a:r>
-              <a:rPr lang="hu-HU" baseline="0" dirty="0" smtClean="0"/>
-              <a:t>atomok </a:t>
-            </a:r>
-            <a:r>
-              <a:rPr lang="hu-HU" baseline="0" dirty="0" smtClean="0"/>
-              <a:t>számát, illetve a sérülékenynek ítélt részt. Az adott fájl végére beszúrom az ellenőrző függvényt, amelyben egy előre definiált mennyiségkorlátozás szerepel. Ezt az újonnan beszúrt függvényt alkalmazom egy </a:t>
+              <a:t>Röviden összefoglalva úgy működik, hogy megkeresem a megbízhatatlan listát, ami meghatározza a létrehozandó atomok számát, illetve a sérülékenynek ítélt részt. Az adott fájl végére beszúrom az ellenőrző függvényt, amelyben egy előre definiált mennyiségkorlátozás szerepel. Ezt az újonnan beszúrt függvényt alkalmazom egy </a:t>
             </a:r>
             <a:r>
               <a:rPr lang="hu-HU" baseline="0" dirty="0" err="1" smtClean="0"/>
@@ -12208,29 +12152,8 @@
                 <a:latin typeface="Arial" panose="020B0604020202020204" pitchFamily="34" charset="0"/>
                 <a:cs typeface="Arial" panose="020B0604020202020204" pitchFamily="34" charset="0"/>
               </a:rPr>
-              <a:t> paraméter opció </a:t>
-            </a:r>
-            <a:r>
-              <a:rPr lang="hu-HU" sz="2000" dirty="0" smtClean="0">
-                <a:solidFill>
-                  <a:schemeClr val="tx1">
-                    <a:lumMod val="95000"/>
-                  </a:schemeClr>
-                </a:solidFill>
-                <a:latin typeface="Arial" panose="020B0604020202020204" pitchFamily="34" charset="0"/>
-                <a:cs typeface="Arial" panose="020B0604020202020204" pitchFamily="34" charset="0"/>
-              </a:rPr>
-              <a:t>bevezetése</a:t>
-            </a:r>
-            <a:endParaRPr lang="hu-HU" sz="2000" dirty="0" smtClean="0">
-              <a:solidFill>
-                <a:schemeClr val="tx1">
-                  <a:lumMod val="95000"/>
-                </a:schemeClr>
-              </a:solidFill>
-              <a:latin typeface="Arial" panose="020B0604020202020204" pitchFamily="34" charset="0"/>
-              <a:cs typeface="Arial" panose="020B0604020202020204" pitchFamily="34" charset="0"/>
-            </a:endParaRPr>
+              <a:t> paraméter opció bevezetése</a:t>
+            </a:r>
           </a:p>
         </p:txBody>
       </p:sp>
@@ -12386,7 +12309,7 @@
         </p:nvSpPr>
         <p:spPr>
           <a:xfrm>
-            <a:off x="7156768" y="4714335"/>
+            <a:off x="1684149" y="5750896"/>
             <a:ext cx="3666487" cy="874926"/>
           </a:xfrm>
           <a:prstGeom prst="roundRect">
@@ -12612,7 +12535,7 @@
         </p:nvSpPr>
         <p:spPr>
           <a:xfrm>
-            <a:off x="1119999" y="5750896"/>
+            <a:off x="6144841" y="4709925"/>
             <a:ext cx="5690340" cy="885470"/>
           </a:xfrm>
           <a:prstGeom prst="roundRect">
@@ -12747,8 +12670,8 @@
         </p:nvSpPr>
         <p:spPr>
           <a:xfrm>
-            <a:off x="7156768" y="5750896"/>
-            <a:ext cx="4666613" cy="885472"/>
+            <a:off x="6656704" y="5750896"/>
+            <a:ext cx="4666613" cy="874926"/>
           </a:xfrm>
           <a:prstGeom prst="roundRect">
             <a:avLst>
@@ -12927,7 +12850,7 @@
         </p:nvCxnSpPr>
         <p:spPr>
           <a:xfrm>
-            <a:off x="3738571" y="2886078"/>
+            <a:off x="3729518" y="2976608"/>
             <a:ext cx="180000" cy="0"/>
           </a:xfrm>
           <a:prstGeom prst="straightConnector1">
@@ -12963,7 +12886,7 @@
         </p:nvCxnSpPr>
         <p:spPr>
           <a:xfrm>
-            <a:off x="3369045" y="3190878"/>
+            <a:off x="3350939" y="3308567"/>
             <a:ext cx="180000" cy="0"/>
           </a:xfrm>
           <a:prstGeom prst="straightConnector1">
@@ -12999,7 +12922,7 @@
         </p:nvCxnSpPr>
         <p:spPr>
           <a:xfrm>
-            <a:off x="3667134" y="3490916"/>
+            <a:off x="3684783" y="3653874"/>
             <a:ext cx="180000" cy="0"/>
           </a:xfrm>
           <a:prstGeom prst="straightConnector1">
@@ -13137,19 +13060,7 @@
                 <a:latin typeface="Arial" panose="020B0604020202020204" pitchFamily="34" charset="0"/>
                 <a:cs typeface="Arial" panose="020B0604020202020204" pitchFamily="34" charset="0"/>
               </a:rPr>
-              <a:t>Transzformáció </a:t>
-            </a:r>
-            <a:r>
-              <a:rPr lang="hu-HU" sz="1600" dirty="0" smtClean="0">
-                <a:solidFill>
-                  <a:schemeClr val="tx1">
-                    <a:lumMod val="75000"/>
-                  </a:schemeClr>
-                </a:solidFill>
-                <a:latin typeface="Arial" panose="020B0604020202020204" pitchFamily="34" charset="0"/>
-                <a:cs typeface="Arial" panose="020B0604020202020204" pitchFamily="34" charset="0"/>
-              </a:rPr>
-              <a:t>után</a:t>
+              <a:t>Transzformáció után</a:t>
             </a:r>
             <a:endParaRPr lang="hu-HU" sz="1600" dirty="0">
               <a:solidFill>
@@ -13930,10 +13841,10 @@
                 <a:latin typeface="Arial" panose="020B0604020202020204" pitchFamily="34" charset="0"/>
                 <a:cs typeface="Arial" panose="020B0604020202020204" pitchFamily="34" charset="0"/>
               </a:rPr>
-              <a:t>nem biztonságos függvényekre </a:t>
-            </a:r>
-            <a:r>
-              <a:rPr lang="hu-HU" sz="2000" dirty="0">
+              <a:t>sérülékeny függvénycserés</a:t>
+            </a:r>
+            <a:r>
+              <a:rPr lang="hu-HU" sz="2000" dirty="0" smtClean="0">
                 <a:solidFill>
                   <a:schemeClr val="tx1">
                     <a:lumMod val="95000"/>
@@ -13942,7 +13853,7 @@
                 <a:latin typeface="Arial" panose="020B0604020202020204" pitchFamily="34" charset="0"/>
                 <a:cs typeface="Arial" panose="020B0604020202020204" pitchFamily="34" charset="0"/>
               </a:rPr>
-              <a:t>alkalmazott </a:t>
+              <a:t> </a:t>
             </a:r>
             <a:r>
               <a:rPr lang="hu-HU" sz="2000" dirty="0" smtClean="0">
@@ -13954,7 +13865,19 @@
                 <a:latin typeface="Arial" panose="020B0604020202020204" pitchFamily="34" charset="0"/>
                 <a:cs typeface="Arial" panose="020B0604020202020204" pitchFamily="34" charset="0"/>
               </a:rPr>
-              <a:t>transzformáció eredményei</a:t>
+              <a:t>transzformáció </a:t>
+            </a:r>
+            <a:r>
+              <a:rPr lang="hu-HU" sz="2000" dirty="0" smtClean="0">
+                <a:solidFill>
+                  <a:schemeClr val="tx1">
+                    <a:lumMod val="95000"/>
+                  </a:schemeClr>
+                </a:solidFill>
+                <a:latin typeface="Arial" panose="020B0604020202020204" pitchFamily="34" charset="0"/>
+                <a:cs typeface="Arial" panose="020B0604020202020204" pitchFamily="34" charset="0"/>
+              </a:rPr>
+              <a:t>eredményei</a:t>
             </a:r>
             <a:endParaRPr lang="hu-HU" sz="2000" dirty="0">
               <a:solidFill>
@@ -14080,7 +14003,7 @@
             <p:ph sz="half" idx="2"/>
             <p:extLst>
               <p:ext uri="{D42A27DB-BD31-4B8C-83A1-F6EECF244321}">
-                <p14:modId xmlns:p14="http://schemas.microsoft.com/office/powerpoint/2010/main" val="2306229472"/>
+                <p14:modId xmlns:p14="http://schemas.microsoft.com/office/powerpoint/2010/main" val="258599505"/>
               </p:ext>
             </p:extLst>
           </p:nvPr>
@@ -14164,11 +14087,11 @@
                         <a:t>Sérülékeny </a:t>
                       </a:r>
                       <a:r>
-                        <a:rPr lang="hu-HU" sz="1600" dirty="0" err="1" smtClean="0">
+                        <a:rPr lang="hu-HU" sz="1600" dirty="0" smtClean="0">
                           <a:latin typeface="Arial" panose="020B0604020202020204" pitchFamily="34" charset="0"/>
                           <a:cs typeface="Arial" panose="020B0604020202020204" pitchFamily="34" charset="0"/>
                         </a:rPr>
-                        <a:t>függvének</a:t>
+                        <a:t>függvények</a:t>
                       </a:r>
                       <a:endParaRPr lang="hu-HU" sz="1600" dirty="0">
                         <a:latin typeface="Arial" panose="020B0604020202020204" pitchFamily="34" charset="0"/>
@@ -15474,17 +15397,7 @@
                 <a:latin typeface="Arial" panose="020B0604020202020204" pitchFamily="34" charset="0"/>
                 <a:cs typeface="Arial" panose="020B0604020202020204" pitchFamily="34" charset="0"/>
               </a:rPr>
-              <a:t>Nem biztonságos</a:t>
-            </a:r>
-            <a:r>
-              <a:rPr lang="hu-HU" sz="4000" dirty="0" smtClean="0">
-                <a:solidFill>
-                  <a:schemeClr val="tx1"/>
-                </a:solidFill>
-                <a:latin typeface="Arial" panose="020B0604020202020204" pitchFamily="34" charset="0"/>
-                <a:cs typeface="Arial" panose="020B0604020202020204" pitchFamily="34" charset="0"/>
-              </a:rPr>
-              <a:t> </a:t>
+              <a:t>Nem biztonságos </a:t>
             </a:r>
             <a:r>
               <a:rPr lang="hu-HU" sz="4000" dirty="0">
@@ -17787,18 +17700,7 @@
                 <a:cs typeface="Arial" panose="020B0604020202020204" pitchFamily="34" charset="0"/>
                 <a:hlinkClick r:id="rId4" action="ppaction://hlinkfile"/>
               </a:rPr>
-              <a:t>Szemantikus </a:t>
-            </a:r>
-            <a:r>
-              <a:rPr lang="hu-HU" sz="2400" dirty="0" smtClean="0">
-                <a:solidFill>
-                  <a:schemeClr val="tx1"/>
-                </a:solidFill>
-                <a:latin typeface="Arial" panose="020B0604020202020204" pitchFamily="34" charset="0"/>
-                <a:cs typeface="Arial" panose="020B0604020202020204" pitchFamily="34" charset="0"/>
-                <a:hlinkClick r:id="rId4" action="ppaction://hlinkfile"/>
-              </a:rPr>
-              <a:t>programgráf képe</a:t>
+              <a:t>Szemantikus programgráf képe</a:t>
             </a:r>
             <a:endParaRPr lang="hu-HU" sz="2400" dirty="0" smtClean="0">
               <a:solidFill>
@@ -22403,19 +22305,7 @@
                 <a:latin typeface="Arial" panose="020B0604020202020204" pitchFamily="34" charset="0"/>
                 <a:cs typeface="Arial" panose="020B0604020202020204" pitchFamily="34" charset="0"/>
               </a:rPr>
-              <a:t> </a:t>
-            </a:r>
-            <a:r>
-              <a:rPr lang="hu-HU" sz="2400" dirty="0" smtClean="0">
-                <a:solidFill>
-                  <a:schemeClr val="tx1">
-                    <a:lumMod val="95000"/>
-                  </a:schemeClr>
-                </a:solidFill>
-                <a:latin typeface="Arial" panose="020B0604020202020204" pitchFamily="34" charset="0"/>
-                <a:cs typeface="Arial" panose="020B0604020202020204" pitchFamily="34" charset="0"/>
-              </a:rPr>
-              <a:t>és </a:t>
+              <a:t> és </a:t>
             </a:r>
             <a:r>
               <a:rPr lang="hu-HU" sz="2400" dirty="0" smtClean="0">
@@ -22748,17 +22638,7 @@
                 <a:latin typeface="Arial" panose="020B0604020202020204" pitchFamily="34" charset="0"/>
                 <a:cs typeface="Arial" panose="020B0604020202020204" pitchFamily="34" charset="0"/>
               </a:rPr>
-              <a:t>  Implementált transzformációk bemutatása – </a:t>
-            </a:r>
-            <a:r>
-              <a:rPr lang="hu-HU" sz="4000" dirty="0" smtClean="0">
-                <a:solidFill>
-                  <a:schemeClr val="tx1"/>
-                </a:solidFill>
-                <a:latin typeface="Arial" panose="020B0604020202020204" pitchFamily="34" charset="0"/>
-                <a:cs typeface="Arial" panose="020B0604020202020204" pitchFamily="34" charset="0"/>
-              </a:rPr>
-              <a:t>atomgenerálás </a:t>
+              <a:t>  Implementált transzformációk bemutatása – atomgenerálás </a:t>
             </a:r>
             <a:r>
               <a:rPr lang="hu-HU" sz="4000" dirty="0" smtClean="0">
@@ -23619,70 +23499,49 @@
                 <a:latin typeface="Arial" panose="020B0604020202020204" pitchFamily="34" charset="0"/>
                 <a:cs typeface="Arial" panose="020B0604020202020204" pitchFamily="34" charset="0"/>
               </a:rPr>
-              <a:t>Megkeresem a megbízhatatlan listát, </a:t>
+              <a:t>Megkeresem a megbízhatatlan listát, és a sérülékeny részt. Beillesztek a fájlba </a:t>
+            </a:r>
+            <a:r>
+              <a:rPr lang="hu-HU" sz="1600" i="1" dirty="0">
+                <a:latin typeface="Arial" panose="020B0604020202020204" pitchFamily="34" charset="0"/>
+                <a:cs typeface="Arial" panose="020B0604020202020204" pitchFamily="34" charset="0"/>
+              </a:rPr>
+              <a:t>egy új ellenőrző </a:t>
             </a:r>
             <a:r>
               <a:rPr lang="hu-HU" sz="1600" i="1" dirty="0" smtClean="0">
                 <a:latin typeface="Arial" panose="020B0604020202020204" pitchFamily="34" charset="0"/>
                 <a:cs typeface="Arial" panose="020B0604020202020204" pitchFamily="34" charset="0"/>
               </a:rPr>
-              <a:t>és a </a:t>
+              <a:t>függvényt, majd ezt egy </a:t>
+            </a:r>
+            <a:r>
+              <a:rPr lang="hu-HU" sz="1600" i="1" dirty="0" err="1" smtClean="0">
+                <a:latin typeface="Consolas" panose="020B0609020204030204" pitchFamily="49" charset="0"/>
+                <a:cs typeface="Arial" panose="020B0604020202020204" pitchFamily="34" charset="0"/>
+              </a:rPr>
+              <a:t>case</a:t>
             </a:r>
             <a:r>
               <a:rPr lang="hu-HU" sz="1600" i="1" dirty="0" smtClean="0">
                 <a:latin typeface="Arial" panose="020B0604020202020204" pitchFamily="34" charset="0"/>
                 <a:cs typeface="Arial" panose="020B0604020202020204" pitchFamily="34" charset="0"/>
               </a:rPr>
-              <a:t>sérülékeny részt. Beillesztek a fájlba </a:t>
+              <a:t> kifejezés segítségével alkalmazom </a:t>
             </a:r>
             <a:r>
               <a:rPr lang="hu-HU" sz="1600" i="1" dirty="0">
                 <a:latin typeface="Arial" panose="020B0604020202020204" pitchFamily="34" charset="0"/>
                 <a:cs typeface="Arial" panose="020B0604020202020204" pitchFamily="34" charset="0"/>
               </a:rPr>
-              <a:t>egy új ellenőrző </a:t>
+              <a:t>a generáló </a:t>
             </a:r>
             <a:r>
               <a:rPr lang="hu-HU" sz="1600" i="1" dirty="0" smtClean="0">
                 <a:latin typeface="Arial" panose="020B0604020202020204" pitchFamily="34" charset="0"/>
                 <a:cs typeface="Arial" panose="020B0604020202020204" pitchFamily="34" charset="0"/>
               </a:rPr>
-              <a:t>függvényt, majd ezt egy </a:t>
-            </a:r>
-            <a:r>
-              <a:rPr lang="hu-HU" sz="1600" i="1" dirty="0" err="1" smtClean="0">
-                <a:latin typeface="Consolas" panose="020B0609020204030204" pitchFamily="49" charset="0"/>
-                <a:cs typeface="Arial" panose="020B0604020202020204" pitchFamily="34" charset="0"/>
-              </a:rPr>
-              <a:t>case</a:t>
-            </a:r>
-            <a:r>
-              <a:rPr lang="hu-HU" sz="1600" i="1" dirty="0" smtClean="0">
-                <a:latin typeface="Arial" panose="020B0604020202020204" pitchFamily="34" charset="0"/>
-                <a:cs typeface="Arial" panose="020B0604020202020204" pitchFamily="34" charset="0"/>
-              </a:rPr>
-              <a:t> kifejezés segítségével alkalmazom </a:t>
-            </a:r>
-            <a:r>
-              <a:rPr lang="hu-HU" sz="1600" i="1" dirty="0">
-                <a:latin typeface="Arial" panose="020B0604020202020204" pitchFamily="34" charset="0"/>
-                <a:cs typeface="Arial" panose="020B0604020202020204" pitchFamily="34" charset="0"/>
-              </a:rPr>
-              <a:t>a generáló </a:t>
-            </a:r>
-            <a:r>
-              <a:rPr lang="hu-HU" sz="1600" i="1" dirty="0" smtClean="0">
-                <a:latin typeface="Arial" panose="020B0604020202020204" pitchFamily="34" charset="0"/>
-                <a:cs typeface="Arial" panose="020B0604020202020204" pitchFamily="34" charset="0"/>
-              </a:rPr>
-              <a:t>listára. Az </a:t>
-            </a:r>
-            <a:r>
-              <a:rPr lang="hu-HU" sz="1600" i="1" dirty="0" smtClean="0">
-                <a:latin typeface="Arial" panose="020B0604020202020204" pitchFamily="34" charset="0"/>
-                <a:cs typeface="Arial" panose="020B0604020202020204" pitchFamily="34" charset="0"/>
-              </a:rPr>
-              <a:t>ellenőrző függvény eredményétől függően fut tovább vagy terminál a kód.</a:t>
+              <a:t>listára. Az ellenőrző függvény eredményétől függően fut tovább vagy terminál a kód.</a:t>
             </a:r>
           </a:p>
         </p:txBody>
@@ -23790,29 +23649,8 @@
                 <a:latin typeface="Arial" panose="020B0604020202020204" pitchFamily="34" charset="0"/>
                 <a:cs typeface="Arial" panose="020B0604020202020204" pitchFamily="34" charset="0"/>
               </a:rPr>
-              <a:t> függvényhívás típusától</a:t>
-            </a:r>
-            <a:r>
-              <a:rPr lang="hu-HU" sz="2400" dirty="0" smtClean="0">
-                <a:solidFill>
-                  <a:schemeClr val="tx1">
-                    <a:lumMod val="95000"/>
-                  </a:schemeClr>
-                </a:solidFill>
-                <a:latin typeface="Arial" panose="020B0604020202020204" pitchFamily="34" charset="0"/>
-                <a:cs typeface="Arial" panose="020B0604020202020204" pitchFamily="34" charset="0"/>
-              </a:rPr>
-              <a:t>:</a:t>
-            </a:r>
-            <a:endParaRPr lang="hu-HU" sz="2400" dirty="0" smtClean="0">
-              <a:solidFill>
-                <a:schemeClr val="tx1">
-                  <a:lumMod val="95000"/>
-                </a:schemeClr>
-              </a:solidFill>
-              <a:latin typeface="Arial" panose="020B0604020202020204" pitchFamily="34" charset="0"/>
-              <a:cs typeface="Arial" panose="020B0604020202020204" pitchFamily="34" charset="0"/>
-            </a:endParaRPr>
+              <a:t> függvényhívás típusától:</a:t>
+            </a:r>
           </a:p>
         </p:txBody>
       </p:sp>
@@ -23934,29 +23772,8 @@
                 <a:latin typeface="Arial" panose="020B0604020202020204" pitchFamily="34" charset="0"/>
                 <a:cs typeface="Arial" panose="020B0604020202020204" pitchFamily="34" charset="0"/>
               </a:rPr>
-              <a:t>Vizsgált műveleten belüli listagenerátorral történő </a:t>
-            </a:r>
-            <a:r>
-              <a:rPr lang="hu-HU" sz="2000" dirty="0" smtClean="0">
-                <a:solidFill>
-                  <a:schemeClr val="tx1">
-                    <a:lumMod val="95000"/>
-                  </a:schemeClr>
-                </a:solidFill>
-                <a:latin typeface="Arial" panose="020B0604020202020204" pitchFamily="34" charset="0"/>
-                <a:cs typeface="Arial" panose="020B0604020202020204" pitchFamily="34" charset="0"/>
-              </a:rPr>
-              <a:t>atomgenerálás</a:t>
-            </a:r>
-            <a:endParaRPr lang="hu-HU" sz="2000" dirty="0" smtClean="0">
-              <a:solidFill>
-                <a:schemeClr val="tx1">
-                  <a:lumMod val="95000"/>
-                </a:schemeClr>
-              </a:solidFill>
-              <a:latin typeface="Arial" panose="020B0604020202020204" pitchFamily="34" charset="0"/>
-              <a:cs typeface="Arial" panose="020B0604020202020204" pitchFamily="34" charset="0"/>
-            </a:endParaRPr>
+              <a:t>Vizsgált műveleten belüli listagenerátorral történő atomgenerálás</a:t>
+            </a:r>
           </a:p>
         </p:txBody>
       </p:sp>
@@ -25092,19 +24909,7 @@
                 <a:latin typeface="Arial" panose="020B0604020202020204" pitchFamily="34" charset="0"/>
                 <a:cs typeface="Arial" panose="020B0604020202020204" pitchFamily="34" charset="0"/>
               </a:rPr>
-              <a:t>Transzformáció </a:t>
-            </a:r>
-            <a:r>
-              <a:rPr lang="hu-HU" sz="1400" dirty="0" smtClean="0">
-                <a:solidFill>
-                  <a:schemeClr val="tx1">
-                    <a:lumMod val="75000"/>
-                  </a:schemeClr>
-                </a:solidFill>
-                <a:latin typeface="Arial" panose="020B0604020202020204" pitchFamily="34" charset="0"/>
-                <a:cs typeface="Arial" panose="020B0604020202020204" pitchFamily="34" charset="0"/>
-              </a:rPr>
-              <a:t>után</a:t>
+              <a:t>Transzformáció után</a:t>
             </a:r>
             <a:endParaRPr lang="hu-HU" sz="1400" dirty="0">
               <a:solidFill>
@@ -26640,19 +26445,7 @@
                 <a:latin typeface="Arial" panose="020B0604020202020204" pitchFamily="34" charset="0"/>
                 <a:cs typeface="Arial" panose="020B0604020202020204" pitchFamily="34" charset="0"/>
               </a:rPr>
-              <a:t>Transzformáció </a:t>
-            </a:r>
-            <a:r>
-              <a:rPr lang="hu-HU" sz="1400" dirty="0" smtClean="0">
-                <a:solidFill>
-                  <a:schemeClr val="tx1">
-                    <a:lumMod val="75000"/>
-                  </a:schemeClr>
-                </a:solidFill>
-                <a:latin typeface="Arial" panose="020B0604020202020204" pitchFamily="34" charset="0"/>
-                <a:cs typeface="Arial" panose="020B0604020202020204" pitchFamily="34" charset="0"/>
-              </a:rPr>
-              <a:t>után</a:t>
+              <a:t>Transzformáció után</a:t>
             </a:r>
             <a:endParaRPr lang="hu-HU" sz="1400" dirty="0">
               <a:solidFill>
@@ -28712,19 +28505,7 @@
                 <a:latin typeface="Arial" panose="020B0604020202020204" pitchFamily="34" charset="0"/>
                 <a:cs typeface="Arial" panose="020B0604020202020204" pitchFamily="34" charset="0"/>
               </a:rPr>
-              <a:t>Transzformáció </a:t>
-            </a:r>
-            <a:r>
-              <a:rPr lang="hu-HU" sz="1400" dirty="0" smtClean="0">
-                <a:solidFill>
-                  <a:schemeClr val="tx1">
-                    <a:lumMod val="75000"/>
-                  </a:schemeClr>
-                </a:solidFill>
-                <a:latin typeface="Arial" panose="020B0604020202020204" pitchFamily="34" charset="0"/>
-                <a:cs typeface="Arial" panose="020B0604020202020204" pitchFamily="34" charset="0"/>
-              </a:rPr>
-              <a:t>után</a:t>
+              <a:t>Transzformáció után</a:t>
             </a:r>
             <a:endParaRPr lang="hu-HU" sz="1400" dirty="0">
               <a:solidFill>

--- a/diplomamunka.pptx
+++ b/diplomamunka.pptx
@@ -536,15 +536,7 @@
             </a:r>
             <a:r>
               <a:rPr lang="hu-HU" baseline="0" dirty="0" smtClean="0"/>
-              <a:t> diplomamunkám témája </a:t>
-            </a:r>
-            <a:r>
-              <a:rPr lang="hu-HU" baseline="0" dirty="0" smtClean="0"/>
-              <a:t>a nem </a:t>
-            </a:r>
-            <a:r>
-              <a:rPr lang="hu-HU" baseline="0" dirty="0" smtClean="0"/>
-              <a:t>biztonságos kód biztonságossá transzformálása a </a:t>
+              <a:t> diplomamunkám témája a nem biztonságos kód biztonságossá transzformálása a </a:t>
             </a:r>
             <a:r>
               <a:rPr lang="hu-HU" baseline="0" dirty="0" err="1" smtClean="0"/>
@@ -13853,31 +13845,7 @@
                 <a:latin typeface="Arial" panose="020B0604020202020204" pitchFamily="34" charset="0"/>
                 <a:cs typeface="Arial" panose="020B0604020202020204" pitchFamily="34" charset="0"/>
               </a:rPr>
-              <a:t> </a:t>
-            </a:r>
-            <a:r>
-              <a:rPr lang="hu-HU" sz="2000" dirty="0" smtClean="0">
-                <a:solidFill>
-                  <a:schemeClr val="tx1">
-                    <a:lumMod val="95000"/>
-                  </a:schemeClr>
-                </a:solidFill>
-                <a:latin typeface="Arial" panose="020B0604020202020204" pitchFamily="34" charset="0"/>
-                <a:cs typeface="Arial" panose="020B0604020202020204" pitchFamily="34" charset="0"/>
-              </a:rPr>
-              <a:t>transzformáció </a:t>
-            </a:r>
-            <a:r>
-              <a:rPr lang="hu-HU" sz="2000" dirty="0" smtClean="0">
-                <a:solidFill>
-                  <a:schemeClr val="tx1">
-                    <a:lumMod val="95000"/>
-                  </a:schemeClr>
-                </a:solidFill>
-                <a:latin typeface="Arial" panose="020B0604020202020204" pitchFamily="34" charset="0"/>
-                <a:cs typeface="Arial" panose="020B0604020202020204" pitchFamily="34" charset="0"/>
-              </a:rPr>
-              <a:t>eredményei</a:t>
+              <a:t> transzformáció eredményei</a:t>
             </a:r>
             <a:endParaRPr lang="hu-HU" sz="2000" dirty="0">
               <a:solidFill>
@@ -14084,14 +14052,7 @@
                           <a:latin typeface="Arial" panose="020B0604020202020204" pitchFamily="34" charset="0"/>
                           <a:cs typeface="Arial" panose="020B0604020202020204" pitchFamily="34" charset="0"/>
                         </a:rPr>
-                        <a:t>Sérülékeny </a:t>
-                      </a:r>
-                      <a:r>
-                        <a:rPr lang="hu-HU" sz="1600" dirty="0" smtClean="0">
-                          <a:latin typeface="Arial" panose="020B0604020202020204" pitchFamily="34" charset="0"/>
-                          <a:cs typeface="Arial" panose="020B0604020202020204" pitchFamily="34" charset="0"/>
-                        </a:rPr>
-                        <a:t>függvények</a:t>
+                        <a:t>Sérülékeny függvények</a:t>
                       </a:r>
                       <a:endParaRPr lang="hu-HU" sz="1600" dirty="0">
                         <a:latin typeface="Arial" panose="020B0604020202020204" pitchFamily="34" charset="0"/>
@@ -15085,8 +15046,8 @@
         </p:nvSpPr>
         <p:spPr>
           <a:xfrm>
-            <a:off x="2356612" y="5309547"/>
-            <a:ext cx="2266390" cy="369332"/>
+            <a:off x="2590490" y="5309547"/>
+            <a:ext cx="1798634" cy="307777"/>
           </a:xfrm>
           <a:prstGeom prst="rect">
             <a:avLst/>
@@ -15100,10 +15061,10 @@
           <a:lstStyle/>
           <a:p>
             <a:r>
-              <a:rPr lang="hu-HU" dirty="0" smtClean="0">
+              <a:rPr lang="hu-HU" sz="1400" dirty="0" smtClean="0">
                 <a:solidFill>
                   <a:schemeClr val="tx1">
-                    <a:lumMod val="95000"/>
+                    <a:lumMod val="75000"/>
                   </a:schemeClr>
                 </a:solidFill>
                 <a:latin typeface="Arial" panose="020B0604020202020204" pitchFamily="34" charset="0"/>
@@ -15111,10 +15072,10 @@
               </a:rPr>
               <a:t>Transzformáció előtt</a:t>
             </a:r>
-            <a:endParaRPr lang="hu-HU" dirty="0">
+            <a:endParaRPr lang="hu-HU" sz="1400" dirty="0">
               <a:solidFill>
                 <a:schemeClr val="tx1">
-                  <a:lumMod val="95000"/>
+                  <a:lumMod val="75000"/>
                 </a:schemeClr>
               </a:solidFill>
               <a:latin typeface="Arial" panose="020B0604020202020204" pitchFamily="34" charset="0"/>
@@ -15131,8 +15092,8 @@
         </p:nvSpPr>
         <p:spPr>
           <a:xfrm>
-            <a:off x="7988374" y="6268856"/>
-            <a:ext cx="2279214" cy="369332"/>
+            <a:off x="8217443" y="6268856"/>
+            <a:ext cx="1808252" cy="307777"/>
           </a:xfrm>
           <a:prstGeom prst="rect">
             <a:avLst/>
@@ -15146,10 +15107,10 @@
           <a:lstStyle/>
           <a:p>
             <a:r>
-              <a:rPr lang="hu-HU" dirty="0" smtClean="0">
+              <a:rPr lang="hu-HU" sz="1400" dirty="0" smtClean="0">
                 <a:solidFill>
                   <a:schemeClr val="tx1">
-                    <a:lumMod val="95000"/>
+                    <a:lumMod val="75000"/>
                   </a:schemeClr>
                 </a:solidFill>
                 <a:latin typeface="Arial" panose="020B0604020202020204" pitchFamily="34" charset="0"/>
@@ -15157,10 +15118,10 @@
               </a:rPr>
               <a:t>Transzformáció után</a:t>
             </a:r>
-            <a:endParaRPr lang="hu-HU" dirty="0">
+            <a:endParaRPr lang="hu-HU" sz="1400" dirty="0">
               <a:solidFill>
                 <a:schemeClr val="tx1">
-                  <a:lumMod val="95000"/>
+                  <a:lumMod val="75000"/>
                 </a:schemeClr>
               </a:solidFill>
               <a:latin typeface="Arial" panose="020B0604020202020204" pitchFamily="34" charset="0"/>
@@ -15556,8 +15517,8 @@
         </p:nvSpPr>
         <p:spPr>
           <a:xfrm>
-            <a:off x="4495662" y="3620532"/>
-            <a:ext cx="2266390" cy="369332"/>
+            <a:off x="4837908" y="3613667"/>
+            <a:ext cx="1798634" cy="307777"/>
           </a:xfrm>
           <a:prstGeom prst="rect">
             <a:avLst/>
@@ -15571,10 +15532,10 @@
           <a:lstStyle/>
           <a:p>
             <a:r>
-              <a:rPr lang="hu-HU" dirty="0" smtClean="0">
+              <a:rPr lang="hu-HU" sz="1400" dirty="0" smtClean="0">
                 <a:solidFill>
                   <a:schemeClr val="tx1">
-                    <a:lumMod val="95000"/>
+                    <a:lumMod val="75000"/>
                   </a:schemeClr>
                 </a:solidFill>
                 <a:latin typeface="Arial" panose="020B0604020202020204" pitchFamily="34" charset="0"/>
@@ -15582,10 +15543,10 @@
               </a:rPr>
               <a:t>Transzformáció előtt</a:t>
             </a:r>
-            <a:endParaRPr lang="hu-HU" dirty="0">
+            <a:endParaRPr lang="hu-HU" sz="1400" dirty="0">
               <a:solidFill>
                 <a:schemeClr val="tx1">
-                  <a:lumMod val="95000"/>
+                  <a:lumMod val="75000"/>
                 </a:schemeClr>
               </a:solidFill>
               <a:latin typeface="Arial" panose="020B0604020202020204" pitchFamily="34" charset="0"/>
@@ -15602,8 +15563,8 @@
         </p:nvSpPr>
         <p:spPr>
           <a:xfrm>
-            <a:off x="4632543" y="6197225"/>
-            <a:ext cx="2279214" cy="369332"/>
+            <a:off x="4868024" y="6198591"/>
+            <a:ext cx="1808252" cy="307777"/>
           </a:xfrm>
           <a:prstGeom prst="rect">
             <a:avLst/>
@@ -15617,10 +15578,10 @@
           <a:lstStyle/>
           <a:p>
             <a:r>
-              <a:rPr lang="hu-HU" dirty="0" smtClean="0">
+              <a:rPr lang="hu-HU" sz="1400" dirty="0" smtClean="0">
                 <a:solidFill>
                   <a:schemeClr val="tx1">
-                    <a:lumMod val="95000"/>
+                    <a:lumMod val="75000"/>
                   </a:schemeClr>
                 </a:solidFill>
                 <a:latin typeface="Arial" panose="020B0604020202020204" pitchFamily="34" charset="0"/>
@@ -15628,10 +15589,10 @@
               </a:rPr>
               <a:t>Transzformáció után</a:t>
             </a:r>
-            <a:endParaRPr lang="hu-HU" dirty="0">
+            <a:endParaRPr lang="hu-HU" sz="1400" dirty="0">
               <a:solidFill>
                 <a:schemeClr val="tx1">
-                  <a:lumMod val="95000"/>
+                  <a:lumMod val="75000"/>
                 </a:schemeClr>
               </a:solidFill>
               <a:latin typeface="Arial" panose="020B0604020202020204" pitchFamily="34" charset="0"/>

--- a/diplomamunka.pptx
+++ b/diplomamunka.pptx
@@ -1186,12 +1186,12 @@
               <a:t> </a:t>
             </a:r>
             <a:r>
-              <a:rPr lang="hu-HU" baseline="0" dirty="0" err="1" smtClean="0"/>
+              <a:rPr lang="hu-HU" baseline="0" err="1" smtClean="0"/>
               <a:t>source</a:t>
             </a:r>
             <a:r>
-              <a:rPr lang="hu-HU" baseline="0" dirty="0" smtClean="0"/>
-              <a:t> projekteken, amelyeket fentebb már megmutattam </a:t>
+              <a:rPr lang="hu-HU" baseline="0" smtClean="0"/>
+              <a:t> projekteken</a:t>
             </a:r>
             <a:endParaRPr lang="hu-HU" dirty="0"/>
           </a:p>
@@ -2835,69 +2835,7 @@
                 <a:latin typeface="Arial" panose="020B0604020202020204" pitchFamily="34" charset="0"/>
                 <a:cs typeface="Arial" panose="020B0604020202020204" pitchFamily="34" charset="0"/>
               </a:rPr>
-              <a:t>Valamint bizonyos esetekből adódhat</a:t>
-            </a:r>
-          </a:p>
-          <a:p>
-            <a:pPr marL="0" marR="0" indent="0" algn="l" defTabSz="914400" rtl="0" eaLnBrk="1" fontAlgn="auto" latinLnBrk="0" hangingPunct="1">
-              <a:lnSpc>
-                <a:spcPct val="100000"/>
-              </a:lnSpc>
-              <a:spcBef>
-                <a:spcPts val="0"/>
-              </a:spcBef>
-              <a:spcAft>
-                <a:spcPts val="0"/>
-              </a:spcAft>
-              <a:buClrTx/>
-              <a:buSzTx/>
-              <a:buFontTx/>
-              <a:buNone/>
-              <a:tabLst/>
-              <a:defRPr/>
-            </a:pPr>
-            <a:r>
-              <a:rPr lang="hu-HU" baseline="0" dirty="0" smtClean="0">
-                <a:solidFill>
-                  <a:schemeClr val="tx1">
-                    <a:lumMod val="95000"/>
-                  </a:schemeClr>
-                </a:solidFill>
-                <a:latin typeface="Arial" panose="020B0604020202020204" pitchFamily="34" charset="0"/>
-                <a:cs typeface="Arial" panose="020B0604020202020204" pitchFamily="34" charset="0"/>
-              </a:rPr>
-              <a:t> - Beszúrásos támadás</a:t>
-            </a:r>
-          </a:p>
-          <a:p>
-            <a:pPr marL="0" marR="0" indent="0" algn="l" defTabSz="914400" rtl="0" eaLnBrk="1" fontAlgn="auto" latinLnBrk="0" hangingPunct="1">
-              <a:lnSpc>
-                <a:spcPct val="100000"/>
-              </a:lnSpc>
-              <a:spcBef>
-                <a:spcPts val="0"/>
-              </a:spcBef>
-              <a:spcAft>
-                <a:spcPts val="0"/>
-              </a:spcAft>
-              <a:buClrTx/>
-              <a:buSzTx/>
-              <a:buFontTx/>
-              <a:buNone/>
-              <a:tabLst/>
-              <a:defRPr/>
-            </a:pPr>
-            <a:r>
-              <a:rPr lang="hu-HU" baseline="0" dirty="0" smtClean="0">
-                <a:solidFill>
-                  <a:schemeClr val="tx1">
-                    <a:lumMod val="95000"/>
-                  </a:schemeClr>
-                </a:solidFill>
-                <a:latin typeface="Arial" panose="020B0604020202020204" pitchFamily="34" charset="0"/>
-                <a:cs typeface="Arial" panose="020B0604020202020204" pitchFamily="34" charset="0"/>
-              </a:rPr>
-              <a:t> - Memória túlterhelés</a:t>
+              <a:t>Valamint előfordulnak olyan esetek, amelyek Beszúrásos támadást vagy Memória túlterhelést eredményezhetnek.</a:t>
             </a:r>
           </a:p>
           <a:p>
@@ -27664,7 +27602,7 @@
         </p:spPr>
         <p:txBody>
           <a:bodyPr>
-            <a:normAutofit/>
+            <a:normAutofit lnSpcReduction="10000"/>
           </a:bodyPr>
           <a:lstStyle/>
           <a:p>
@@ -27743,7 +27681,19 @@
                 <a:latin typeface="Consolas" panose="020B0609020204030204" pitchFamily="49" charset="0"/>
                 <a:cs typeface="Arial" panose="020B0604020202020204" pitchFamily="34" charset="0"/>
               </a:rPr>
-              <a:t>link</a:t>
+              <a:t>link </a:t>
+            </a:r>
+            <a:r>
+              <a:rPr lang="hu-HU" dirty="0" smtClean="0">
+                <a:solidFill>
+                  <a:schemeClr val="tx1">
+                    <a:lumMod val="95000"/>
+                  </a:schemeClr>
+                </a:solidFill>
+                <a:latin typeface="Arial" panose="020B0604020202020204" pitchFamily="34" charset="0"/>
+                <a:cs typeface="Arial" panose="020B0604020202020204" pitchFamily="34" charset="0"/>
+              </a:rPr>
+              <a:t>atomi összekapcsolása</a:t>
             </a:r>
           </a:p>
           <a:p>
@@ -27854,7 +27804,7 @@
                 <a:latin typeface="Arial" panose="020B0604020202020204" pitchFamily="34" charset="0"/>
                 <a:cs typeface="Arial" panose="020B0604020202020204" pitchFamily="34" charset="0"/>
               </a:rPr>
-              <a:t>Nem biztonságos függvények</a:t>
+              <a:t>Nem biztonságos függvényhívások cseréje</a:t>
             </a:r>
           </a:p>
           <a:p>
@@ -27925,34 +27875,14 @@
           <a:p>
             <a:pPr algn="ctr"/>
             <a:r>
-              <a:rPr lang="hu-HU" sz="4000" dirty="0" err="1" smtClean="0">
+              <a:rPr lang="hu-HU" sz="4000" dirty="0" smtClean="0">
                 <a:solidFill>
                   <a:schemeClr val="tx1"/>
                 </a:solidFill>
                 <a:latin typeface="Arial" panose="020B0604020202020204" pitchFamily="34" charset="0"/>
                 <a:cs typeface="Arial" panose="020B0604020202020204" pitchFamily="34" charset="0"/>
               </a:rPr>
-              <a:t>Erlang</a:t>
-            </a:r>
-            <a:r>
-              <a:rPr lang="hu-HU" sz="4000" dirty="0" smtClean="0">
-                <a:solidFill>
-                  <a:schemeClr val="tx1"/>
-                </a:solidFill>
-                <a:latin typeface="Arial" panose="020B0604020202020204" pitchFamily="34" charset="0"/>
-                <a:cs typeface="Arial" panose="020B0604020202020204" pitchFamily="34" charset="0"/>
-              </a:rPr>
-              <a:t> gyakori </a:t>
-            </a:r>
-            <a:r>
-              <a:rPr lang="hu-HU" sz="4000" dirty="0">
-                <a:solidFill>
-                  <a:schemeClr val="tx1"/>
-                </a:solidFill>
-                <a:latin typeface="Arial" panose="020B0604020202020204" pitchFamily="34" charset="0"/>
-                <a:cs typeface="Arial" panose="020B0604020202020204" pitchFamily="34" charset="0"/>
-              </a:rPr>
-              <a:t>sérülékenységei</a:t>
+              <a:t>Transzformációk csoportosítás</a:t>
             </a:r>
             <a:endParaRPr lang="hu-HU" sz="3600" dirty="0">
               <a:solidFill>

--- a/diplomamunka.pptx
+++ b/diplomamunka.pptx
@@ -1186,11 +1186,11 @@
               <a:t> </a:t>
             </a:r>
             <a:r>
-              <a:rPr lang="hu-HU" baseline="0" err="1" smtClean="0"/>
+              <a:rPr lang="hu-HU" baseline="0" dirty="0" err="1" smtClean="0"/>
               <a:t>source</a:t>
             </a:r>
             <a:r>
-              <a:rPr lang="hu-HU" baseline="0" smtClean="0"/>
+              <a:rPr lang="hu-HU" baseline="0" dirty="0" smtClean="0"/>
               <a:t> projekteken</a:t>
             </a:r>
             <a:endParaRPr lang="hu-HU" dirty="0"/>

--- a/diplomamunka.pptx
+++ b/diplomamunka.pptx
@@ -221,7 +221,7 @@
           <a:p>
             <a:fld id="{D6F92BB9-1BE5-4032-8E9C-0AD5DE3AFD4B}" type="datetimeFigureOut">
               <a:rPr lang="hu-HU" smtClean="0"/>
-              <a:t>2026. 01. 19.</a:t>
+              <a:t>2026. 01. 22.</a:t>
             </a:fld>
             <a:endParaRPr lang="hu-HU"/>
           </a:p>
@@ -1159,11 +1159,7 @@
           <a:p>
             <a:r>
               <a:rPr lang="hu-HU" baseline="0" dirty="0" smtClean="0"/>
-              <a:t> - Ezek közül kiválasztva </a:t>
-            </a:r>
-            <a:r>
-              <a:rPr lang="hu-HU" baseline="0" dirty="0" smtClean="0"/>
-              <a:t>párat, transzformációkat definiáltam rájuk, amelyek biztonságosabb formára alakítják át a kódok</a:t>
+              <a:t> - Ezek közül kiválasztva párat, transzformációkat definiáltam rájuk, amelyek biztonságosabb formára alakítják át a kódok</a:t>
             </a:r>
           </a:p>
           <a:p>
@@ -2965,13 +2961,12 @@
             </a:r>
             <a:r>
               <a:rPr lang="hu-HU" baseline="0" dirty="0" smtClean="0"/>
-              <a:t> paraméterek tartalmának ellenőrzése -&gt; így elkerülhető az OS </a:t>
-            </a:r>
-            <a:r>
-              <a:rPr lang="hu-HU" baseline="0" dirty="0" err="1" smtClean="0"/>
-              <a:t>injection</a:t>
-            </a:r>
-            <a:endParaRPr lang="hu-HU" baseline="0" dirty="0" smtClean="0"/>
+              <a:t> paraméterek tartalmának </a:t>
+            </a:r>
+            <a:r>
+              <a:rPr lang="hu-HU" baseline="0" dirty="0" smtClean="0"/>
+              <a:t>ellenőrzése</a:t>
+            </a:r>
           </a:p>
           <a:p>
             <a:pPr marL="171450" indent="-171450">
@@ -3002,14 +2997,6 @@
               </a:rPr>
               <a:t>korlátozása</a:t>
             </a:r>
-            <a:r>
-              <a:rPr lang="hu-HU" baseline="0" dirty="0" smtClean="0"/>
-              <a:t> -&gt; ezzel elkerülhető az </a:t>
-            </a:r>
-            <a:r>
-              <a:rPr lang="hu-HU" baseline="0" dirty="0" err="1" smtClean="0"/>
-              <a:t>atomtúlcsordulás</a:t>
-            </a:r>
             <a:endParaRPr lang="hu-HU" baseline="0" dirty="0" smtClean="0"/>
           </a:p>
           <a:p>
@@ -3019,7 +3006,11 @@
             </a:pPr>
             <a:r>
               <a:rPr lang="hu-HU" baseline="0" dirty="0" smtClean="0"/>
-              <a:t>A következő a nem biztonságos függvények biztonságosra cserélése</a:t>
+              <a:t>A </a:t>
+            </a:r>
+            <a:r>
+              <a:rPr lang="hu-HU" baseline="0" dirty="0" smtClean="0"/>
+              <a:t>következő a nem biztonságos függvények biztonságosra cserélése</a:t>
             </a:r>
           </a:p>
           <a:p>
@@ -3041,7 +3032,11 @@
             </a:r>
             <a:r>
               <a:rPr lang="hu-HU" baseline="0" dirty="0" smtClean="0"/>
-              <a:t> és link függvények atomi összekapcsolása -&gt; mellyel megakadályozható a versenyhelyzetek kialakulása</a:t>
+              <a:t> és link függvények atomi </a:t>
+            </a:r>
+            <a:r>
+              <a:rPr lang="hu-HU" baseline="0" dirty="0" smtClean="0"/>
+              <a:t>összekapcsolása</a:t>
             </a:r>
             <a:endParaRPr lang="hu-HU" dirty="0" smtClean="0"/>
           </a:p>
@@ -3626,7 +3621,7 @@
           <a:p>
             <a:fld id="{59731AD7-5972-4914-843B-2D1C931CBC7C}" type="datetimeFigureOut">
               <a:rPr lang="hu-HU" smtClean="0"/>
-              <a:t>2026. 01. 19.</a:t>
+              <a:t>2026. 01. 22.</a:t>
             </a:fld>
             <a:endParaRPr lang="hu-HU"/>
           </a:p>
@@ -3919,7 +3914,7 @@
           <a:p>
             <a:fld id="{59731AD7-5972-4914-843B-2D1C931CBC7C}" type="datetimeFigureOut">
               <a:rPr lang="hu-HU" smtClean="0"/>
-              <a:t>2026. 01. 19.</a:t>
+              <a:t>2026. 01. 22.</a:t>
             </a:fld>
             <a:endParaRPr lang="hu-HU"/>
           </a:p>
@@ -4123,7 +4118,7 @@
           <a:p>
             <a:fld id="{59731AD7-5972-4914-843B-2D1C931CBC7C}" type="datetimeFigureOut">
               <a:rPr lang="hu-HU" smtClean="0"/>
-              <a:t>2026. 01. 19.</a:t>
+              <a:t>2026. 01. 22.</a:t>
             </a:fld>
             <a:endParaRPr lang="hu-HU"/>
           </a:p>
@@ -4396,7 +4391,7 @@
           <a:p>
             <a:fld id="{59731AD7-5972-4914-843B-2D1C931CBC7C}" type="datetimeFigureOut">
               <a:rPr lang="hu-HU" smtClean="0"/>
-              <a:t>2026. 01. 19.</a:t>
+              <a:t>2026. 01. 22.</a:t>
             </a:fld>
             <a:endParaRPr lang="hu-HU"/>
           </a:p>
@@ -4834,7 +4829,7 @@
           <a:p>
             <a:fld id="{59731AD7-5972-4914-843B-2D1C931CBC7C}" type="datetimeFigureOut">
               <a:rPr lang="hu-HU" smtClean="0"/>
-              <a:t>2026. 01. 19.</a:t>
+              <a:t>2026. 01. 22.</a:t>
             </a:fld>
             <a:endParaRPr lang="hu-HU"/>
           </a:p>
@@ -5392,7 +5387,7 @@
           <a:p>
             <a:fld id="{59731AD7-5972-4914-843B-2D1C931CBC7C}" type="datetimeFigureOut">
               <a:rPr lang="hu-HU" smtClean="0"/>
-              <a:t>2026. 01. 19.</a:t>
+              <a:t>2026. 01. 22.</a:t>
             </a:fld>
             <a:endParaRPr lang="hu-HU"/>
           </a:p>
@@ -6235,7 +6230,7 @@
           <a:p>
             <a:fld id="{59731AD7-5972-4914-843B-2D1C931CBC7C}" type="datetimeFigureOut">
               <a:rPr lang="hu-HU" smtClean="0"/>
-              <a:t>2026. 01. 19.</a:t>
+              <a:t>2026. 01. 22.</a:t>
             </a:fld>
             <a:endParaRPr lang="hu-HU"/>
           </a:p>
@@ -6417,7 +6412,7 @@
           <a:p>
             <a:fld id="{59731AD7-5972-4914-843B-2D1C931CBC7C}" type="datetimeFigureOut">
               <a:rPr lang="hu-HU" smtClean="0"/>
-              <a:t>2026. 01. 19.</a:t>
+              <a:t>2026. 01. 22.</a:t>
             </a:fld>
             <a:endParaRPr lang="hu-HU"/>
           </a:p>
@@ -6609,7 +6604,7 @@
           <a:p>
             <a:fld id="{59731AD7-5972-4914-843B-2D1C931CBC7C}" type="datetimeFigureOut">
               <a:rPr lang="hu-HU" smtClean="0"/>
-              <a:t>2026. 01. 19.</a:t>
+              <a:t>2026. 01. 22.</a:t>
             </a:fld>
             <a:endParaRPr lang="hu-HU"/>
           </a:p>
@@ -6791,7 +6786,7 @@
           <a:p>
             <a:fld id="{59731AD7-5972-4914-843B-2D1C931CBC7C}" type="datetimeFigureOut">
               <a:rPr lang="hu-HU" smtClean="0"/>
-              <a:t>2026. 01. 19.</a:t>
+              <a:t>2026. 01. 22.</a:t>
             </a:fld>
             <a:endParaRPr lang="hu-HU"/>
           </a:p>
@@ -7060,7 +7055,7 @@
           <a:p>
             <a:fld id="{59731AD7-5972-4914-843B-2D1C931CBC7C}" type="datetimeFigureOut">
               <a:rPr lang="hu-HU" smtClean="0"/>
-              <a:t>2026. 01. 19.</a:t>
+              <a:t>2026. 01. 22.</a:t>
             </a:fld>
             <a:endParaRPr lang="hu-HU"/>
           </a:p>
@@ -7304,7 +7299,7 @@
           <a:p>
             <a:fld id="{59731AD7-5972-4914-843B-2D1C931CBC7C}" type="datetimeFigureOut">
               <a:rPr lang="hu-HU" smtClean="0"/>
-              <a:t>2026. 01. 19.</a:t>
+              <a:t>2026. 01. 22.</a:t>
             </a:fld>
             <a:endParaRPr lang="hu-HU"/>
           </a:p>
@@ -7709,7 +7704,7 @@
           <a:p>
             <a:fld id="{59731AD7-5972-4914-843B-2D1C931CBC7C}" type="datetimeFigureOut">
               <a:rPr lang="hu-HU" smtClean="0"/>
-              <a:t>2026. 01. 19.</a:t>
+              <a:t>2026. 01. 22.</a:t>
             </a:fld>
             <a:endParaRPr lang="hu-HU"/>
           </a:p>
@@ -7839,7 +7834,7 @@
           <a:p>
             <a:fld id="{59731AD7-5972-4914-843B-2D1C931CBC7C}" type="datetimeFigureOut">
               <a:rPr lang="hu-HU" smtClean="0"/>
-              <a:t>2026. 01. 19.</a:t>
+              <a:t>2026. 01. 22.</a:t>
             </a:fld>
             <a:endParaRPr lang="hu-HU"/>
           </a:p>
@@ -7946,7 +7941,7 @@
           <a:p>
             <a:fld id="{59731AD7-5972-4914-843B-2D1C931CBC7C}" type="datetimeFigureOut">
               <a:rPr lang="hu-HU" smtClean="0"/>
-              <a:t>2026. 01. 19.</a:t>
+              <a:t>2026. 01. 22.</a:t>
             </a:fld>
             <a:endParaRPr lang="hu-HU"/>
           </a:p>
@@ -8231,7 +8226,7 @@
           <a:p>
             <a:fld id="{59731AD7-5972-4914-843B-2D1C931CBC7C}" type="datetimeFigureOut">
               <a:rPr lang="hu-HU" smtClean="0"/>
-              <a:t>2026. 01. 19.</a:t>
+              <a:t>2026. 01. 22.</a:t>
             </a:fld>
             <a:endParaRPr lang="hu-HU"/>
           </a:p>
@@ -8524,7 +8519,7 @@
           <a:p>
             <a:fld id="{59731AD7-5972-4914-843B-2D1C931CBC7C}" type="datetimeFigureOut">
               <a:rPr lang="hu-HU" smtClean="0"/>
-              <a:t>2026. 01. 19.</a:t>
+              <a:t>2026. 01. 22.</a:t>
             </a:fld>
             <a:endParaRPr lang="hu-HU"/>
           </a:p>
@@ -8776,7 +8771,7 @@
           <a:p>
             <a:fld id="{59731AD7-5972-4914-843B-2D1C931CBC7C}" type="datetimeFigureOut">
               <a:rPr lang="hu-HU" smtClean="0"/>
-              <a:t>2026. 01. 19.</a:t>
+              <a:t>2026. 01. 22.</a:t>
             </a:fld>
             <a:endParaRPr lang="hu-HU"/>
           </a:p>
@@ -14249,16 +14244,7 @@
                 </a:solidFill>
                 <a:latin typeface="Consolas" panose="020B0609020204030204" pitchFamily="49" charset="0"/>
               </a:rPr>
-              <a:t> </a:t>
-            </a:r>
-            <a:r>
-              <a:rPr lang="hu-HU" dirty="0" smtClean="0">
-                <a:solidFill>
-                  <a:schemeClr val="tx1"/>
-                </a:solidFill>
-                <a:latin typeface="Consolas" panose="020B0609020204030204" pitchFamily="49" charset="0"/>
-              </a:rPr>
-              <a:t>-&gt;</a:t>
+              <a:t> -&gt;</a:t>
             </a:r>
           </a:p>
           <a:p>
@@ -15579,16 +15565,7 @@
                 </a:solidFill>
                 <a:latin typeface="Consolas" panose="020B0609020204030204" pitchFamily="49" charset="0"/>
               </a:rPr>
-              <a:t> </a:t>
-            </a:r>
-            <a:r>
-              <a:rPr lang="hu-HU" dirty="0" smtClean="0">
-                <a:solidFill>
-                  <a:schemeClr val="tx1"/>
-                </a:solidFill>
-                <a:latin typeface="Consolas" panose="020B0609020204030204" pitchFamily="49" charset="0"/>
-              </a:rPr>
-              <a:t>-&gt; </a:t>
+              <a:t> -&gt; </a:t>
             </a:r>
             <a:r>
               <a:rPr lang="hu-HU" dirty="0" err="1" smtClean="0">
@@ -16997,16 +16974,7 @@
                 </a:solidFill>
                 <a:latin typeface="Consolas" panose="020B0609020204030204" pitchFamily="49" charset="0"/>
               </a:rPr>
-              <a:t> </a:t>
-            </a:r>
-            <a:r>
-              <a:rPr lang="hu-HU" dirty="0" smtClean="0">
-                <a:solidFill>
-                  <a:schemeClr val="tx1"/>
-                </a:solidFill>
-                <a:latin typeface="Consolas" panose="020B0609020204030204" pitchFamily="49" charset="0"/>
-              </a:rPr>
-              <a:t>-&gt;</a:t>
+              <a:t> -&gt;</a:t>
             </a:r>
           </a:p>
           <a:p>
@@ -17168,16 +17136,7 @@
                 </a:solidFill>
                 <a:latin typeface="Consolas" panose="020B0609020204030204" pitchFamily="49" charset="0"/>
               </a:rPr>
-              <a:t> </a:t>
-            </a:r>
-            <a:r>
-              <a:rPr lang="hu-HU" dirty="0" smtClean="0">
-                <a:solidFill>
-                  <a:schemeClr val="tx1"/>
-                </a:solidFill>
-                <a:latin typeface="Consolas" panose="020B0609020204030204" pitchFamily="49" charset="0"/>
-              </a:rPr>
-              <a:t>-&gt;</a:t>
+              <a:t> -&gt;</a:t>
             </a:r>
           </a:p>
           <a:p>
@@ -17421,16 +17380,7 @@
                 </a:solidFill>
                 <a:latin typeface="Consolas" panose="020B0609020204030204" pitchFamily="49" charset="0"/>
               </a:rPr>
-              <a:t> </a:t>
-            </a:r>
-            <a:r>
-              <a:rPr lang="hu-HU" dirty="0" smtClean="0">
-                <a:solidFill>
-                  <a:schemeClr val="tx1"/>
-                </a:solidFill>
-                <a:latin typeface="Consolas" panose="020B0609020204030204" pitchFamily="49" charset="0"/>
-              </a:rPr>
-              <a:t>-&gt;</a:t>
+              <a:t> -&gt;</a:t>
             </a:r>
           </a:p>
           <a:p>
@@ -17583,16 +17533,7 @@
                 </a:solidFill>
                 <a:latin typeface="Consolas" panose="020B0609020204030204" pitchFamily="49" charset="0"/>
               </a:rPr>
-              <a:t> </a:t>
-            </a:r>
-            <a:r>
-              <a:rPr lang="hu-HU" dirty="0" smtClean="0">
-                <a:solidFill>
-                  <a:schemeClr val="tx1"/>
-                </a:solidFill>
-                <a:latin typeface="Consolas" panose="020B0609020204030204" pitchFamily="49" charset="0"/>
-              </a:rPr>
-              <a:t>-&gt;</a:t>
+              <a:t> -&gt;</a:t>
             </a:r>
           </a:p>
           <a:p>
@@ -21356,15 +21297,6 @@
               </a:rPr>
               <a:t>forráskódot</a:t>
             </a:r>
-            <a:endParaRPr lang="hu-HU" sz="2400" dirty="0" smtClean="0">
-              <a:solidFill>
-                <a:schemeClr val="tx1">
-                  <a:lumMod val="95000"/>
-                </a:schemeClr>
-              </a:solidFill>
-              <a:latin typeface="Arial" panose="020B0604020202020204" pitchFamily="34" charset="0"/>
-              <a:cs typeface="Arial" panose="020B0604020202020204" pitchFamily="34" charset="0"/>
-            </a:endParaRPr>
           </a:p>
         </p:txBody>
       </p:sp>
@@ -22274,13 +22206,13 @@
   <p:clrMapOvr>
     <a:masterClrMapping/>
   </p:clrMapOvr>
-  <mc:AlternateContent xmlns:mc="http://schemas.openxmlformats.org/markup-compatibility/2006">
-    <mc:Choice xmlns:p14="http://schemas.microsoft.com/office/powerpoint/2010/main" Requires="p14">
+  <mc:AlternateContent xmlns:mc="http://schemas.openxmlformats.org/markup-compatibility/2006" xmlns:p14="http://schemas.microsoft.com/office/powerpoint/2010/main">
+    <mc:Choice Requires="p14">
       <p:transition spd="med" p14:dur="700">
         <p:fade/>
       </p:transition>
     </mc:Choice>
-    <mc:Fallback>
+    <mc:Fallback xmlns="">
       <p:transition spd="med">
         <p:fade/>
       </p:transition>
@@ -29127,13 +29059,6 @@
               </a:rPr>
               <a:t>atomgenerálás korlátozása</a:t>
             </a:r>
-            <a:endParaRPr lang="hu-HU" sz="4000" dirty="0">
-              <a:solidFill>
-                <a:schemeClr val="tx1"/>
-              </a:solidFill>
-              <a:latin typeface="Arial" panose="020B0604020202020204" pitchFamily="34" charset="0"/>
-              <a:cs typeface="Arial" panose="020B0604020202020204" pitchFamily="34" charset="0"/>
-            </a:endParaRPr>
           </a:p>
         </p:txBody>
       </p:sp>
